--- a/Presentations/Application Ecosystem.pptx
+++ b/Presentations/Application Ecosystem.pptx
@@ -294,7 +294,7 @@
           </a:lstStyle>
           <a:p>
             <a:r>
-              <a:rPr lang="en-US" smtClean="0"/>
+              <a:rPr lang="en-US"/>
               <a:t>Click to edit Master title style</a:t>
             </a:r>
             <a:endParaRPr lang="en-US" dirty="0"/>
@@ -414,7 +414,7 @@
           </a:lstStyle>
           <a:p>
             <a:r>
-              <a:rPr lang="en-US" smtClean="0"/>
+              <a:rPr lang="en-US"/>
               <a:t>Click to edit Master subtitle style</a:t>
             </a:r>
             <a:endParaRPr lang="en-US" dirty="0"/>
@@ -460,7 +460,7 @@
                 </a:solidFill>
               </a:rPr>
               <a:pPr/>
-              <a:t>7/13/2020</a:t>
+              <a:t>7/14/2020</a:t>
             </a:fld>
             <a:endParaRPr lang="en-US" dirty="0">
               <a:solidFill>
@@ -1396,7 +1396,7 @@
           </a:lstStyle>
           <a:p>
             <a:r>
-              <a:rPr lang="en-US" smtClean="0"/>
+              <a:rPr lang="en-US"/>
               <a:t>Click to edit Master title style</a:t>
             </a:r>
             <a:endParaRPr lang="en-US" dirty="0"/>
@@ -1475,7 +1475,7 @@
           </a:lstStyle>
           <a:p>
             <a:r>
-              <a:rPr lang="en-US" smtClean="0"/>
+              <a:rPr lang="en-US"/>
               <a:t>Click icon to add picture</a:t>
             </a:r>
             <a:endParaRPr lang="en-US" dirty="0"/>
@@ -1550,7 +1550,7 @@
           <a:p>
             <a:pPr lvl="0"/>
             <a:r>
-              <a:rPr lang="en-US" smtClean="0"/>
+              <a:rPr lang="en-US"/>
               <a:t>Click to edit Master text styles</a:t>
             </a:r>
           </a:p>
@@ -1578,7 +1578,7 @@
                 </a:solidFill>
               </a:rPr>
               <a:pPr/>
-              <a:t>7/13/2020</a:t>
+              <a:t>7/14/2020</a:t>
             </a:fld>
             <a:endParaRPr lang="en-US" dirty="0">
               <a:solidFill>
@@ -2488,7 +2488,7 @@
           </a:lstStyle>
           <a:p>
             <a:r>
-              <a:rPr lang="en-US" smtClean="0"/>
+              <a:rPr lang="en-US"/>
               <a:t>Click to edit Master title style</a:t>
             </a:r>
             <a:endParaRPr lang="en-US" dirty="0"/>
@@ -2556,7 +2556,7 @@
           <a:p>
             <a:pPr lvl="0"/>
             <a:r>
-              <a:rPr lang="en-US" smtClean="0"/>
+              <a:rPr lang="en-US"/>
               <a:t>Click to edit Master text styles</a:t>
             </a:r>
           </a:p>
@@ -2584,7 +2584,7 @@
                 </a:solidFill>
               </a:rPr>
               <a:pPr/>
-              <a:t>7/13/2020</a:t>
+              <a:t>7/14/2020</a:t>
             </a:fld>
             <a:endParaRPr lang="en-US" dirty="0">
               <a:solidFill>
@@ -3572,7 +3572,7 @@
           </a:lstStyle>
           <a:p>
             <a:r>
-              <a:rPr lang="en-US" smtClean="0"/>
+              <a:rPr lang="en-US"/>
               <a:t>Click to edit Master title style</a:t>
             </a:r>
             <a:endParaRPr lang="en-US" dirty="0"/>
@@ -3649,7 +3649,7 @@
           <a:p>
             <a:pPr lvl="0"/>
             <a:r>
-              <a:rPr lang="en-US" smtClean="0"/>
+              <a:rPr lang="en-US"/>
               <a:t>Click to edit Master text styles</a:t>
             </a:r>
           </a:p>
@@ -3716,7 +3716,7 @@
           <a:p>
             <a:pPr lvl="0"/>
             <a:r>
-              <a:rPr lang="en-US" smtClean="0"/>
+              <a:rPr lang="en-US"/>
               <a:t>Click to edit Master text styles</a:t>
             </a:r>
           </a:p>
@@ -3744,7 +3744,7 @@
                 </a:solidFill>
               </a:rPr>
               <a:pPr/>
-              <a:t>7/13/2020</a:t>
+              <a:t>7/14/2020</a:t>
             </a:fld>
             <a:endParaRPr lang="en-US" dirty="0">
               <a:solidFill>
@@ -4654,7 +4654,7 @@
           </a:lstStyle>
           <a:p>
             <a:r>
-              <a:rPr lang="en-US" smtClean="0"/>
+              <a:rPr lang="en-US"/>
               <a:t>Click to edit Master title style</a:t>
             </a:r>
             <a:endParaRPr lang="en-US" dirty="0"/>
@@ -4775,7 +4775,7 @@
           <a:p>
             <a:pPr lvl="0"/>
             <a:r>
-              <a:rPr lang="en-US" smtClean="0"/>
+              <a:rPr lang="en-US"/>
               <a:t>Click to edit Master text styles</a:t>
             </a:r>
           </a:p>
@@ -4803,7 +4803,7 @@
                 </a:solidFill>
               </a:rPr>
               <a:pPr/>
-              <a:t>7/13/2020</a:t>
+              <a:t>7/14/2020</a:t>
             </a:fld>
             <a:endParaRPr lang="en-US" dirty="0">
               <a:solidFill>
@@ -4963,7 +4963,7 @@
           </a:lstStyle>
           <a:p>
             <a:r>
-              <a:rPr lang="en-US" smtClean="0"/>
+              <a:rPr lang="en-US"/>
               <a:t>Click to edit Master title style</a:t>
             </a:r>
             <a:endParaRPr lang="en-US" dirty="0"/>
@@ -5038,7 +5038,7 @@
           <a:p>
             <a:pPr lvl="0"/>
             <a:r>
-              <a:rPr lang="en-US" smtClean="0"/>
+              <a:rPr lang="en-US"/>
               <a:t>Click to edit Master text styles</a:t>
             </a:r>
           </a:p>
@@ -5105,7 +5105,7 @@
           <a:p>
             <a:pPr lvl="0"/>
             <a:r>
-              <a:rPr lang="en-US" smtClean="0"/>
+              <a:rPr lang="en-US"/>
               <a:t>Click to edit Master text styles</a:t>
             </a:r>
           </a:p>
@@ -5179,7 +5179,7 @@
           <a:p>
             <a:pPr lvl="0"/>
             <a:r>
-              <a:rPr lang="en-US" smtClean="0"/>
+              <a:rPr lang="en-US"/>
               <a:t>Click to edit Master text styles</a:t>
             </a:r>
           </a:p>
@@ -5246,7 +5246,7 @@
           <a:p>
             <a:pPr lvl="0"/>
             <a:r>
-              <a:rPr lang="en-US" smtClean="0"/>
+              <a:rPr lang="en-US"/>
               <a:t>Click to edit Master text styles</a:t>
             </a:r>
           </a:p>
@@ -5320,7 +5320,7 @@
           <a:p>
             <a:pPr lvl="0"/>
             <a:r>
-              <a:rPr lang="en-US" smtClean="0"/>
+              <a:rPr lang="en-US"/>
               <a:t>Click to edit Master text styles</a:t>
             </a:r>
           </a:p>
@@ -5387,7 +5387,7 @@
           <a:p>
             <a:pPr lvl="0"/>
             <a:r>
-              <a:rPr lang="en-US" smtClean="0"/>
+              <a:rPr lang="en-US"/>
               <a:t>Click to edit Master text styles</a:t>
             </a:r>
           </a:p>
@@ -5489,7 +5489,7 @@
                 </a:solidFill>
               </a:rPr>
               <a:pPr/>
-              <a:t>7/13/2020</a:t>
+              <a:t>7/14/2020</a:t>
             </a:fld>
             <a:endParaRPr lang="en-US" dirty="0">
               <a:solidFill>
@@ -5613,7 +5613,7 @@
           </a:lstStyle>
           <a:p>
             <a:r>
-              <a:rPr lang="en-US" smtClean="0"/>
+              <a:rPr lang="en-US"/>
               <a:t>Click to edit Master title style</a:t>
             </a:r>
             <a:endParaRPr lang="en-US" dirty="0"/>
@@ -5688,7 +5688,7 @@
           <a:p>
             <a:pPr lvl="0"/>
             <a:r>
-              <a:rPr lang="en-US" smtClean="0"/>
+              <a:rPr lang="en-US"/>
               <a:t>Click to edit Master text styles</a:t>
             </a:r>
           </a:p>
@@ -5766,7 +5766,7 @@
           </a:lstStyle>
           <a:p>
             <a:r>
-              <a:rPr lang="en-US" smtClean="0"/>
+              <a:rPr lang="en-US"/>
               <a:t>Click icon to add picture</a:t>
             </a:r>
             <a:endParaRPr lang="en-US" dirty="0"/>
@@ -5834,7 +5834,7 @@
           <a:p>
             <a:pPr lvl="0"/>
             <a:r>
-              <a:rPr lang="en-US" smtClean="0"/>
+              <a:rPr lang="en-US"/>
               <a:t>Click to edit Master text styles</a:t>
             </a:r>
           </a:p>
@@ -5908,7 +5908,7 @@
           <a:p>
             <a:pPr lvl="0"/>
             <a:r>
-              <a:rPr lang="en-US" smtClean="0"/>
+              <a:rPr lang="en-US"/>
               <a:t>Click to edit Master text styles</a:t>
             </a:r>
           </a:p>
@@ -5986,7 +5986,7 @@
           </a:lstStyle>
           <a:p>
             <a:r>
-              <a:rPr lang="en-US" smtClean="0"/>
+              <a:rPr lang="en-US"/>
               <a:t>Click icon to add picture</a:t>
             </a:r>
             <a:endParaRPr lang="en-US" dirty="0"/>
@@ -6054,7 +6054,7 @@
           <a:p>
             <a:pPr lvl="0"/>
             <a:r>
-              <a:rPr lang="en-US" smtClean="0"/>
+              <a:rPr lang="en-US"/>
               <a:t>Click to edit Master text styles</a:t>
             </a:r>
           </a:p>
@@ -6128,7 +6128,7 @@
           <a:p>
             <a:pPr lvl="0"/>
             <a:r>
-              <a:rPr lang="en-US" smtClean="0"/>
+              <a:rPr lang="en-US"/>
               <a:t>Click to edit Master text styles</a:t>
             </a:r>
           </a:p>
@@ -6206,7 +6206,7 @@
           </a:lstStyle>
           <a:p>
             <a:r>
-              <a:rPr lang="en-US" smtClean="0"/>
+              <a:rPr lang="en-US"/>
               <a:t>Click icon to add picture</a:t>
             </a:r>
             <a:endParaRPr lang="en-US" dirty="0"/>
@@ -6274,7 +6274,7 @@
           <a:p>
             <a:pPr lvl="0"/>
             <a:r>
-              <a:rPr lang="en-US" smtClean="0"/>
+              <a:rPr lang="en-US"/>
               <a:t>Click to edit Master text styles</a:t>
             </a:r>
           </a:p>
@@ -6376,7 +6376,7 @@
                 </a:solidFill>
               </a:rPr>
               <a:pPr/>
-              <a:t>7/13/2020</a:t>
+              <a:t>7/14/2020</a:t>
             </a:fld>
             <a:endParaRPr lang="en-US" dirty="0">
               <a:solidFill>
@@ -6501,7 +6501,7 @@
           <a:lstStyle/>
           <a:p>
             <a:r>
-              <a:rPr lang="en-US" smtClean="0"/>
+              <a:rPr lang="en-US"/>
               <a:t>Click to edit Master title style</a:t>
             </a:r>
             <a:endParaRPr lang="en-US" dirty="0"/>
@@ -6530,35 +6530,35 @@
           <a:p>
             <a:pPr lvl="0"/>
             <a:r>
-              <a:rPr lang="en-US" smtClean="0"/>
+              <a:rPr lang="en-US"/>
               <a:t>Click to edit Master text styles</a:t>
             </a:r>
           </a:p>
           <a:p>
             <a:pPr lvl="1"/>
             <a:r>
-              <a:rPr lang="en-US" smtClean="0"/>
+              <a:rPr lang="en-US"/>
               <a:t>Second level</a:t>
             </a:r>
           </a:p>
           <a:p>
             <a:pPr lvl="2"/>
             <a:r>
-              <a:rPr lang="en-US" smtClean="0"/>
+              <a:rPr lang="en-US"/>
               <a:t>Third level</a:t>
             </a:r>
           </a:p>
           <a:p>
             <a:pPr lvl="3"/>
             <a:r>
-              <a:rPr lang="en-US" smtClean="0"/>
+              <a:rPr lang="en-US"/>
               <a:t>Fourth level</a:t>
             </a:r>
           </a:p>
           <a:p>
             <a:pPr lvl="4"/>
             <a:r>
-              <a:rPr lang="en-US" smtClean="0"/>
+              <a:rPr lang="en-US"/>
               <a:t>Fifth level</a:t>
             </a:r>
             <a:endParaRPr lang="en-US" dirty="0"/>
@@ -6592,7 +6592,7 @@
                 </a:solidFill>
               </a:rPr>
               <a:pPr/>
-              <a:t>7/13/2020</a:t>
+              <a:t>7/14/2020</a:t>
             </a:fld>
             <a:endParaRPr lang="en-US" dirty="0">
               <a:solidFill>
@@ -7499,7 +7499,7 @@
           <a:lstStyle/>
           <a:p>
             <a:r>
-              <a:rPr lang="en-US" smtClean="0"/>
+              <a:rPr lang="en-US"/>
               <a:t>Click to edit Master title style</a:t>
             </a:r>
             <a:endParaRPr lang="en-US" dirty="0"/>
@@ -7528,35 +7528,35 @@
           <a:p>
             <a:pPr lvl="0"/>
             <a:r>
-              <a:rPr lang="en-US" smtClean="0"/>
+              <a:rPr lang="en-US"/>
               <a:t>Click to edit Master text styles</a:t>
             </a:r>
           </a:p>
           <a:p>
             <a:pPr lvl="1"/>
             <a:r>
-              <a:rPr lang="en-US" smtClean="0"/>
+              <a:rPr lang="en-US"/>
               <a:t>Second level</a:t>
             </a:r>
           </a:p>
           <a:p>
             <a:pPr lvl="2"/>
             <a:r>
-              <a:rPr lang="en-US" smtClean="0"/>
+              <a:rPr lang="en-US"/>
               <a:t>Third level</a:t>
             </a:r>
           </a:p>
           <a:p>
             <a:pPr lvl="3"/>
             <a:r>
-              <a:rPr lang="en-US" smtClean="0"/>
+              <a:rPr lang="en-US"/>
               <a:t>Fourth level</a:t>
             </a:r>
           </a:p>
           <a:p>
             <a:pPr lvl="4"/>
             <a:r>
-              <a:rPr lang="en-US" smtClean="0"/>
+              <a:rPr lang="en-US"/>
               <a:t>Fifth level</a:t>
             </a:r>
             <a:endParaRPr lang="en-US" dirty="0"/>
@@ -7590,7 +7590,7 @@
                 </a:solidFill>
               </a:rPr>
               <a:pPr/>
-              <a:t>7/13/2020</a:t>
+              <a:t>7/14/2020</a:t>
             </a:fld>
             <a:endParaRPr lang="en-US" dirty="0">
               <a:solidFill>
@@ -7741,7 +7741,7 @@
           <a:lstStyle/>
           <a:p>
             <a:r>
-              <a:rPr lang="en-US" smtClean="0"/>
+              <a:rPr lang="en-US"/>
               <a:t>Click to edit Master title style</a:t>
             </a:r>
             <a:endParaRPr lang="en-US" dirty="0"/>
@@ -7770,35 +7770,35 @@
           <a:p>
             <a:pPr lvl="0"/>
             <a:r>
-              <a:rPr lang="en-US" smtClean="0"/>
+              <a:rPr lang="en-US"/>
               <a:t>Click to edit Master text styles</a:t>
             </a:r>
           </a:p>
           <a:p>
             <a:pPr lvl="1"/>
             <a:r>
-              <a:rPr lang="en-US" smtClean="0"/>
+              <a:rPr lang="en-US"/>
               <a:t>Second level</a:t>
             </a:r>
           </a:p>
           <a:p>
             <a:pPr lvl="2"/>
             <a:r>
-              <a:rPr lang="en-US" smtClean="0"/>
+              <a:rPr lang="en-US"/>
               <a:t>Third level</a:t>
             </a:r>
           </a:p>
           <a:p>
             <a:pPr lvl="3"/>
             <a:r>
-              <a:rPr lang="en-US" smtClean="0"/>
+              <a:rPr lang="en-US"/>
               <a:t>Fourth level</a:t>
             </a:r>
           </a:p>
           <a:p>
             <a:pPr lvl="4"/>
             <a:r>
-              <a:rPr lang="en-US" smtClean="0"/>
+              <a:rPr lang="en-US"/>
               <a:t>Fifth level</a:t>
             </a:r>
             <a:endParaRPr lang="en-US" dirty="0"/>
@@ -7827,7 +7827,7 @@
                 </a:solidFill>
               </a:rPr>
               <a:pPr/>
-              <a:t>7/13/2020</a:t>
+              <a:t>7/14/2020</a:t>
             </a:fld>
             <a:endParaRPr lang="en-US" dirty="0">
               <a:solidFill>
@@ -8738,7 +8738,7 @@
           </a:lstStyle>
           <a:p>
             <a:r>
-              <a:rPr lang="en-US" smtClean="0"/>
+              <a:rPr lang="en-US"/>
               <a:t>Click to edit Master title style</a:t>
             </a:r>
             <a:endParaRPr lang="en-US" dirty="0"/>
@@ -8859,7 +8859,7 @@
           <a:p>
             <a:pPr lvl="0"/>
             <a:r>
-              <a:rPr lang="en-US" smtClean="0"/>
+              <a:rPr lang="en-US"/>
               <a:t>Click to edit Master text styles</a:t>
             </a:r>
           </a:p>
@@ -8887,7 +8887,7 @@
                 </a:solidFill>
               </a:rPr>
               <a:pPr/>
-              <a:t>7/13/2020</a:t>
+              <a:t>7/14/2020</a:t>
             </a:fld>
             <a:endParaRPr lang="en-US" dirty="0">
               <a:solidFill>
@@ -9038,7 +9038,7 @@
           <a:lstStyle/>
           <a:p>
             <a:r>
-              <a:rPr lang="en-US" smtClean="0"/>
+              <a:rPr lang="en-US"/>
               <a:t>Click to edit Master title style</a:t>
             </a:r>
             <a:endParaRPr lang="en-US" dirty="0"/>
@@ -9069,35 +9069,35 @@
           <a:p>
             <a:pPr lvl="0"/>
             <a:r>
-              <a:rPr lang="en-US" smtClean="0"/>
+              <a:rPr lang="en-US"/>
               <a:t>Click to edit Master text styles</a:t>
             </a:r>
           </a:p>
           <a:p>
             <a:pPr lvl="1"/>
             <a:r>
-              <a:rPr lang="en-US" smtClean="0"/>
+              <a:rPr lang="en-US"/>
               <a:t>Second level</a:t>
             </a:r>
           </a:p>
           <a:p>
             <a:pPr lvl="2"/>
             <a:r>
-              <a:rPr lang="en-US" smtClean="0"/>
+              <a:rPr lang="en-US"/>
               <a:t>Third level</a:t>
             </a:r>
           </a:p>
           <a:p>
             <a:pPr lvl="3"/>
             <a:r>
-              <a:rPr lang="en-US" smtClean="0"/>
+              <a:rPr lang="en-US"/>
               <a:t>Fourth level</a:t>
             </a:r>
           </a:p>
           <a:p>
             <a:pPr lvl="4"/>
             <a:r>
-              <a:rPr lang="en-US" smtClean="0"/>
+              <a:rPr lang="en-US"/>
               <a:t>Fifth level</a:t>
             </a:r>
             <a:endParaRPr lang="en-US" dirty="0"/>
@@ -9128,35 +9128,35 @@
           <a:p>
             <a:pPr lvl="0"/>
             <a:r>
-              <a:rPr lang="en-US" smtClean="0"/>
+              <a:rPr lang="en-US"/>
               <a:t>Click to edit Master text styles</a:t>
             </a:r>
           </a:p>
           <a:p>
             <a:pPr lvl="1"/>
             <a:r>
-              <a:rPr lang="en-US" smtClean="0"/>
+              <a:rPr lang="en-US"/>
               <a:t>Second level</a:t>
             </a:r>
           </a:p>
           <a:p>
             <a:pPr lvl="2"/>
             <a:r>
-              <a:rPr lang="en-US" smtClean="0"/>
+              <a:rPr lang="en-US"/>
               <a:t>Third level</a:t>
             </a:r>
           </a:p>
           <a:p>
             <a:pPr lvl="3"/>
             <a:r>
-              <a:rPr lang="en-US" smtClean="0"/>
+              <a:rPr lang="en-US"/>
               <a:t>Fourth level</a:t>
             </a:r>
           </a:p>
           <a:p>
             <a:pPr lvl="4"/>
             <a:r>
-              <a:rPr lang="en-US" smtClean="0"/>
+              <a:rPr lang="en-US"/>
               <a:t>Fifth level</a:t>
             </a:r>
             <a:endParaRPr lang="en-US" dirty="0"/>
@@ -9185,7 +9185,7 @@
                 </a:solidFill>
               </a:rPr>
               <a:pPr/>
-              <a:t>7/13/2020</a:t>
+              <a:t>7/14/2020</a:t>
             </a:fld>
             <a:endParaRPr lang="en-US" dirty="0">
               <a:solidFill>
@@ -9304,7 +9304,7 @@
           </a:lstStyle>
           <a:p>
             <a:r>
-              <a:rPr lang="en-US" smtClean="0"/>
+              <a:rPr lang="en-US"/>
               <a:t>Click to edit Master title style</a:t>
             </a:r>
             <a:endParaRPr lang="en-US" dirty="0"/>
@@ -9376,7 +9376,7 @@
           <a:p>
             <a:pPr lvl="0"/>
             <a:r>
-              <a:rPr lang="en-US" smtClean="0"/>
+              <a:rPr lang="en-US"/>
               <a:t>Click to edit Master text styles</a:t>
             </a:r>
           </a:p>
@@ -9406,35 +9406,35 @@
           <a:p>
             <a:pPr lvl="0"/>
             <a:r>
-              <a:rPr lang="en-US" smtClean="0"/>
+              <a:rPr lang="en-US"/>
               <a:t>Click to edit Master text styles</a:t>
             </a:r>
           </a:p>
           <a:p>
             <a:pPr lvl="1"/>
             <a:r>
-              <a:rPr lang="en-US" smtClean="0"/>
+              <a:rPr lang="en-US"/>
               <a:t>Second level</a:t>
             </a:r>
           </a:p>
           <a:p>
             <a:pPr lvl="2"/>
             <a:r>
-              <a:rPr lang="en-US" smtClean="0"/>
+              <a:rPr lang="en-US"/>
               <a:t>Third level</a:t>
             </a:r>
           </a:p>
           <a:p>
             <a:pPr lvl="3"/>
             <a:r>
-              <a:rPr lang="en-US" smtClean="0"/>
+              <a:rPr lang="en-US"/>
               <a:t>Fourth level</a:t>
             </a:r>
           </a:p>
           <a:p>
             <a:pPr lvl="4"/>
             <a:r>
-              <a:rPr lang="en-US" smtClean="0"/>
+              <a:rPr lang="en-US"/>
               <a:t>Fifth level</a:t>
             </a:r>
             <a:endParaRPr lang="en-US" dirty="0"/>
@@ -9506,7 +9506,7 @@
           <a:p>
             <a:pPr lvl="0"/>
             <a:r>
-              <a:rPr lang="en-US" smtClean="0"/>
+              <a:rPr lang="en-US"/>
               <a:t>Click to edit Master text styles</a:t>
             </a:r>
           </a:p>
@@ -9564,35 +9564,35 @@
           <a:p>
             <a:pPr lvl="0"/>
             <a:r>
-              <a:rPr lang="en-US" smtClean="0"/>
+              <a:rPr lang="en-US"/>
               <a:t>Click to edit Master text styles</a:t>
             </a:r>
           </a:p>
           <a:p>
             <a:pPr lvl="1"/>
             <a:r>
-              <a:rPr lang="en-US" smtClean="0"/>
+              <a:rPr lang="en-US"/>
               <a:t>Second level</a:t>
             </a:r>
           </a:p>
           <a:p>
             <a:pPr lvl="2"/>
             <a:r>
-              <a:rPr lang="en-US" smtClean="0"/>
+              <a:rPr lang="en-US"/>
               <a:t>Third level</a:t>
             </a:r>
           </a:p>
           <a:p>
             <a:pPr lvl="3"/>
             <a:r>
-              <a:rPr lang="en-US" smtClean="0"/>
+              <a:rPr lang="en-US"/>
               <a:t>Fourth level</a:t>
             </a:r>
           </a:p>
           <a:p>
             <a:pPr lvl="4"/>
             <a:r>
-              <a:rPr lang="en-US" smtClean="0"/>
+              <a:rPr lang="en-US"/>
               <a:t>Fifth level</a:t>
             </a:r>
             <a:endParaRPr lang="en-US" dirty="0"/>
@@ -9621,7 +9621,7 @@
                 </a:solidFill>
               </a:rPr>
               <a:pPr/>
-              <a:t>7/13/2020</a:t>
+              <a:t>7/14/2020</a:t>
             </a:fld>
             <a:endParaRPr lang="en-US" dirty="0">
               <a:solidFill>
@@ -9745,7 +9745,7 @@
           </a:lstStyle>
           <a:p>
             <a:r>
-              <a:rPr lang="en-US" smtClean="0"/>
+              <a:rPr lang="en-US"/>
               <a:t>Click to edit Master title style</a:t>
             </a:r>
             <a:endParaRPr lang="en-US" dirty="0"/>
@@ -9774,7 +9774,7 @@
                 </a:solidFill>
               </a:rPr>
               <a:pPr/>
-              <a:t>7/13/2020</a:t>
+              <a:t>7/14/2020</a:t>
             </a:fld>
             <a:endParaRPr lang="en-US" dirty="0">
               <a:solidFill>
@@ -9895,7 +9895,7 @@
                 </a:solidFill>
               </a:rPr>
               <a:pPr/>
-              <a:t>7/13/2020</a:t>
+              <a:t>7/14/2020</a:t>
             </a:fld>
             <a:endParaRPr lang="en-US" dirty="0">
               <a:solidFill>
@@ -10842,7 +10842,7 @@
           </a:lstStyle>
           <a:p>
             <a:r>
-              <a:rPr lang="en-US" smtClean="0"/>
+              <a:rPr lang="en-US"/>
               <a:t>Click to edit Master title style</a:t>
             </a:r>
             <a:endParaRPr lang="en-US" dirty="0"/>
@@ -10873,35 +10873,35 @@
           <a:p>
             <a:pPr lvl="0"/>
             <a:r>
-              <a:rPr lang="en-US" smtClean="0"/>
+              <a:rPr lang="en-US"/>
               <a:t>Click to edit Master text styles</a:t>
             </a:r>
           </a:p>
           <a:p>
             <a:pPr lvl="1"/>
             <a:r>
-              <a:rPr lang="en-US" smtClean="0"/>
+              <a:rPr lang="en-US"/>
               <a:t>Second level</a:t>
             </a:r>
           </a:p>
           <a:p>
             <a:pPr lvl="2"/>
             <a:r>
-              <a:rPr lang="en-US" smtClean="0"/>
+              <a:rPr lang="en-US"/>
               <a:t>Third level</a:t>
             </a:r>
           </a:p>
           <a:p>
             <a:pPr lvl="3"/>
             <a:r>
-              <a:rPr lang="en-US" smtClean="0"/>
+              <a:rPr lang="en-US"/>
               <a:t>Fourth level</a:t>
             </a:r>
           </a:p>
           <a:p>
             <a:pPr lvl="4"/>
             <a:r>
-              <a:rPr lang="en-US" smtClean="0"/>
+              <a:rPr lang="en-US"/>
               <a:t>Fifth level</a:t>
             </a:r>
             <a:endParaRPr lang="en-US" dirty="0"/>
@@ -10974,7 +10974,7 @@
           <a:p>
             <a:pPr lvl="0"/>
             <a:r>
-              <a:rPr lang="en-US" smtClean="0"/>
+              <a:rPr lang="en-US"/>
               <a:t>Click to edit Master text styles</a:t>
             </a:r>
           </a:p>
@@ -11002,7 +11002,7 @@
                 </a:solidFill>
               </a:rPr>
               <a:pPr/>
-              <a:t>7/13/2020</a:t>
+              <a:t>7/14/2020</a:t>
             </a:fld>
             <a:endParaRPr lang="en-US" dirty="0">
               <a:solidFill>
@@ -11951,7 +11951,7 @@
           </a:lstStyle>
           <a:p>
             <a:r>
-              <a:rPr lang="en-US" smtClean="0"/>
+              <a:rPr lang="en-US"/>
               <a:t>Click to edit Master title style</a:t>
             </a:r>
             <a:endParaRPr lang="en-US" dirty="0"/>
@@ -12033,7 +12033,7 @@
               <a:buNone/>
             </a:pPr>
             <a:r>
-              <a:rPr lang="en-US" smtClean="0"/>
+              <a:rPr lang="en-US"/>
               <a:t>Click icon to add picture</a:t>
             </a:r>
             <a:endParaRPr lang="en-US" dirty="0"/>
@@ -12108,7 +12108,7 @@
           <a:p>
             <a:pPr lvl="0"/>
             <a:r>
-              <a:rPr lang="en-US" smtClean="0"/>
+              <a:rPr lang="en-US"/>
               <a:t>Click to edit Master text styles</a:t>
             </a:r>
           </a:p>
@@ -12136,7 +12136,7 @@
                 </a:solidFill>
               </a:rPr>
               <a:pPr/>
-              <a:t>7/13/2020</a:t>
+              <a:t>7/14/2020</a:t>
             </a:fld>
             <a:endParaRPr lang="en-US" dirty="0">
               <a:solidFill>
@@ -13052,7 +13052,7 @@
           <a:lstStyle/>
           <a:p>
             <a:r>
-              <a:rPr lang="en-US" smtClean="0"/>
+              <a:rPr lang="en-US"/>
               <a:t>Click to edit Master title style</a:t>
             </a:r>
             <a:endParaRPr lang="en-US" dirty="0"/>
@@ -13086,35 +13086,35 @@
           <a:p>
             <a:pPr lvl="0"/>
             <a:r>
-              <a:rPr lang="en-US" smtClean="0"/>
+              <a:rPr lang="en-US"/>
               <a:t>Click to edit Master text styles</a:t>
             </a:r>
           </a:p>
           <a:p>
             <a:pPr lvl="1"/>
             <a:r>
-              <a:rPr lang="en-US" smtClean="0"/>
+              <a:rPr lang="en-US"/>
               <a:t>Second level</a:t>
             </a:r>
           </a:p>
           <a:p>
             <a:pPr lvl="2"/>
             <a:r>
-              <a:rPr lang="en-US" smtClean="0"/>
+              <a:rPr lang="en-US"/>
               <a:t>Third level</a:t>
             </a:r>
           </a:p>
           <a:p>
             <a:pPr lvl="3"/>
             <a:r>
-              <a:rPr lang="en-US" smtClean="0"/>
+              <a:rPr lang="en-US"/>
               <a:t>Fourth level</a:t>
             </a:r>
           </a:p>
           <a:p>
             <a:pPr lvl="4"/>
             <a:r>
-              <a:rPr lang="en-US" smtClean="0"/>
+              <a:rPr lang="en-US"/>
               <a:t>Fifth level</a:t>
             </a:r>
             <a:endParaRPr lang="en-US" dirty="0"/>
@@ -13160,7 +13160,7 @@
                 </a:solidFill>
               </a:rPr>
               <a:pPr defTabSz="457200"/>
-              <a:t>7/13/2020</a:t>
+              <a:t>7/14/2020</a:t>
             </a:fld>
             <a:endParaRPr lang="en-US" dirty="0">
               <a:solidFill>
@@ -13759,10 +13759,9 @@
           <a:lstStyle/>
           <a:p>
             <a:r>
-              <a:rPr lang="en-US" dirty="0" smtClean="0"/>
+              <a:rPr lang="en-US" dirty="0"/>
               <a:t>               React JS</a:t>
             </a:r>
-            <a:endParaRPr lang="en-US" dirty="0"/>
           </a:p>
         </p:txBody>
       </p:sp>
@@ -13819,13 +13818,6 @@
   <p:clrMapOvr>
     <a:masterClrMapping/>
   </p:clrMapOvr>
-  <p:timing>
-    <p:tnLst>
-      <p:par>
-        <p:cTn id="1" dur="indefinite" restart="never" nodeType="tmRoot"/>
-      </p:par>
-    </p:tnLst>
-  </p:timing>
 </p:sld>
 </file>
 
@@ -13862,10 +13854,9 @@
           <a:lstStyle/>
           <a:p>
             <a:r>
-              <a:rPr lang="en-US" dirty="0" smtClean="0"/>
+              <a:rPr lang="en-US" dirty="0"/>
               <a:t>Application Ecosystem</a:t>
             </a:r>
-            <a:endParaRPr lang="en-US" dirty="0"/>
           </a:p>
         </p:txBody>
       </p:sp>
@@ -13885,10 +13876,9 @@
           <a:lstStyle/>
           <a:p>
             <a:r>
-              <a:rPr lang="en-US" dirty="0" smtClean="0"/>
+              <a:rPr lang="en-US" dirty="0"/>
               <a:t>Module</a:t>
             </a:r>
-            <a:endParaRPr lang="en-US" dirty="0"/>
           </a:p>
         </p:txBody>
       </p:sp>
@@ -13959,56 +13949,56 @@
           <a:bodyPr/>
           <a:lstStyle/>
           <a:p>
-            <a:endParaRPr lang="en-US" dirty="0" smtClean="0"/>
-          </a:p>
-          <a:p>
-            <a:r>
-              <a:rPr lang="en-US" dirty="0" smtClean="0"/>
+            <a:endParaRPr lang="en-US" dirty="0"/>
+          </a:p>
+          <a:p>
+            <a:r>
+              <a:rPr lang="en-US" dirty="0"/>
               <a:t>Editor: VS Code, Atom etc.</a:t>
             </a:r>
           </a:p>
           <a:p>
             <a:r>
-              <a:rPr lang="en-US" dirty="0" smtClean="0"/>
+              <a:rPr lang="en-US" dirty="0"/>
               <a:t>Dependency Management Tool: Node JS and NPM</a:t>
             </a:r>
           </a:p>
           <a:p>
             <a:r>
-              <a:rPr lang="en-US" dirty="0" smtClean="0"/>
+              <a:rPr lang="en-US" dirty="0"/>
               <a:t>Bundler: </a:t>
             </a:r>
             <a:r>
-              <a:rPr lang="en-US" dirty="0" err="1" smtClean="0"/>
+              <a:rPr lang="en-US" dirty="0" err="1"/>
               <a:t>Webpack</a:t>
             </a:r>
-            <a:endParaRPr lang="en-US" dirty="0" smtClean="0"/>
-          </a:p>
-          <a:p>
-            <a:r>
-              <a:rPr lang="en-US" dirty="0" smtClean="0"/>
+            <a:endParaRPr lang="en-US" dirty="0"/>
+          </a:p>
+          <a:p>
+            <a:r>
+              <a:rPr lang="en-US" dirty="0"/>
               <a:t>Compiler/</a:t>
             </a:r>
             <a:r>
-              <a:rPr lang="en-US" dirty="0" err="1" smtClean="0"/>
+              <a:rPr lang="en-US" dirty="0" err="1"/>
               <a:t>Transpiler</a:t>
             </a:r>
             <a:r>
-              <a:rPr lang="en-US" dirty="0" smtClean="0"/>
+              <a:rPr lang="en-US" dirty="0"/>
               <a:t>: Babel</a:t>
             </a:r>
           </a:p>
           <a:p>
             <a:r>
-              <a:rPr lang="en-US" dirty="0" smtClean="0"/>
+              <a:rPr lang="en-US" dirty="0"/>
               <a:t>Development Server: </a:t>
             </a:r>
             <a:r>
-              <a:rPr lang="en-US" dirty="0" err="1" smtClean="0"/>
+              <a:rPr lang="en-US" dirty="0" err="1"/>
               <a:t>Webpack</a:t>
             </a:r>
             <a:r>
-              <a:rPr lang="en-US" dirty="0" smtClean="0"/>
+              <a:rPr lang="en-US" dirty="0"/>
               <a:t> Development Server</a:t>
             </a:r>
           </a:p>
@@ -14027,13 +14017,6 @@
   <p:clrMapOvr>
     <a:masterClrMapping/>
   </p:clrMapOvr>
-  <p:timing>
-    <p:tnLst>
-      <p:par>
-        <p:cTn id="1" dur="indefinite" restart="never" nodeType="tmRoot"/>
-      </p:par>
-    </p:tnLst>
-  </p:timing>
 </p:sld>
 </file>
 
@@ -14070,10 +14053,9 @@
           <a:lstStyle/>
           <a:p>
             <a:r>
-              <a:rPr lang="en-US" dirty="0" smtClean="0"/>
+              <a:rPr lang="en-US" dirty="0"/>
               <a:t>Packages Required: React</a:t>
             </a:r>
-            <a:endParaRPr lang="en-US" dirty="0"/>
           </a:p>
         </p:txBody>
       </p:sp>
@@ -14092,15 +14074,36 @@
           <a:bodyPr/>
           <a:lstStyle/>
           <a:p>
-            <a:endParaRPr lang="en-US" dirty="0" smtClean="0"/>
-          </a:p>
-          <a:p>
             <a:endParaRPr lang="en-US" dirty="0"/>
           </a:p>
           <a:p>
-            <a:r>
-              <a:rPr lang="en-US" b="1" dirty="0" smtClean="0"/>
-              <a:t>react</a:t>
+            <a:endParaRPr lang="en-US" dirty="0"/>
+          </a:p>
+          <a:p>
+            <a:r>
+              <a:rPr lang="en-US" b="1" dirty="0"/>
+              <a:t>react:</a:t>
+            </a:r>
+            <a:r>
+              <a:rPr lang="en-US" dirty="0"/>
+              <a:t> </a:t>
+            </a:r>
+          </a:p>
+          <a:p>
+            <a:pPr lvl="1"/>
+            <a:r>
+              <a:rPr lang="en-US" dirty="0"/>
+              <a:t>UI library for creating modular components</a:t>
+            </a:r>
+          </a:p>
+          <a:p>
+            <a:r>
+              <a:rPr lang="en-US" b="1" dirty="0"/>
+              <a:t>react-</a:t>
+            </a:r>
+            <a:r>
+              <a:rPr lang="en-US" b="1" dirty="0" err="1"/>
+              <a:t>dom</a:t>
             </a:r>
             <a:r>
               <a:rPr lang="en-US" b="1" dirty="0"/>
@@ -14110,47 +14113,12 @@
               <a:rPr lang="en-US" dirty="0"/>
               <a:t> </a:t>
             </a:r>
-            <a:endParaRPr lang="en-US" dirty="0" smtClean="0"/>
           </a:p>
           <a:p>
             <a:pPr lvl="1"/>
             <a:r>
-              <a:rPr lang="en-US" dirty="0" smtClean="0"/>
-              <a:t>UI</a:t>
-            </a:r>
-            <a:r>
               <a:rPr lang="en-US" dirty="0"/>
-              <a:t> library for creating modular components</a:t>
-            </a:r>
-          </a:p>
-          <a:p>
-            <a:r>
-              <a:rPr lang="en-US" b="1" dirty="0"/>
-              <a:t>react-</a:t>
-            </a:r>
-            <a:r>
-              <a:rPr lang="en-US" b="1" dirty="0" err="1"/>
-              <a:t>dom</a:t>
-            </a:r>
-            <a:r>
-              <a:rPr lang="en-US" b="1" dirty="0"/>
-              <a:t>:</a:t>
-            </a:r>
-            <a:r>
-              <a:rPr lang="en-US" dirty="0"/>
-              <a:t> </a:t>
-            </a:r>
-            <a:endParaRPr lang="en-US" dirty="0" smtClean="0"/>
-          </a:p>
-          <a:p>
-            <a:pPr lvl="1"/>
-            <a:r>
-              <a:rPr lang="en-US" dirty="0" smtClean="0"/>
-              <a:t>helps</a:t>
-            </a:r>
-            <a:r>
-              <a:rPr lang="en-US" dirty="0"/>
-              <a:t> us to render the React in the </a:t>
+              <a:t>helps us to render the React in the </a:t>
             </a:r>
             <a:r>
               <a:rPr lang="en-US" dirty="0" err="1"/>
@@ -14212,10 +14180,9 @@
           <a:lstStyle/>
           <a:p>
             <a:r>
-              <a:rPr lang="en-US" dirty="0" smtClean="0"/>
+              <a:rPr lang="en-US" dirty="0"/>
               <a:t>Packages Required: Babel</a:t>
             </a:r>
-            <a:endParaRPr lang="en-US" dirty="0"/>
           </a:p>
         </p:txBody>
       </p:sp>
@@ -14272,27 +14239,19 @@
           <a:p>
             <a:r>
               <a:rPr lang="en-US" b="1" dirty="0"/>
-              <a:t>@</a:t>
-            </a:r>
-            <a:r>
-              <a:rPr lang="en-US" b="1" dirty="0" smtClean="0"/>
-              <a:t>babel/preset-</a:t>
-            </a:r>
-            <a:r>
-              <a:rPr lang="en-US" b="1" dirty="0" err="1" smtClean="0"/>
+              <a:t>@babel/preset-</a:t>
+            </a:r>
+            <a:r>
+              <a:rPr lang="en-US" b="1" dirty="0" err="1"/>
               <a:t>env</a:t>
             </a:r>
             <a:r>
-              <a:rPr lang="en-US" b="1" dirty="0" smtClean="0"/>
+              <a:rPr lang="en-US" b="1" dirty="0"/>
               <a:t>: </a:t>
             </a:r>
             <a:r>
-              <a:rPr lang="en-US" dirty="0" smtClean="0"/>
-              <a:t>group</a:t>
-            </a:r>
-            <a:r>
               <a:rPr lang="en-US" dirty="0"/>
-              <a:t> of commonly used </a:t>
+              <a:t>group of commonly used </a:t>
             </a:r>
             <a:r>
               <a:rPr lang="en-US" dirty="0" err="1"/>
@@ -14306,25 +14265,12 @@
           <a:p>
             <a:r>
               <a:rPr lang="en-US" b="1" dirty="0"/>
-              <a:t>@</a:t>
-            </a:r>
-            <a:r>
-              <a:rPr lang="en-US" b="1" dirty="0" smtClean="0"/>
-              <a:t>babel/preset-react: </a:t>
-            </a:r>
-            <a:r>
-              <a:rPr lang="en-US" dirty="0" smtClean="0"/>
-              <a:t>react</a:t>
+              <a:t>@babel/preset-react: </a:t>
             </a:r>
             <a:r>
               <a:rPr lang="en-US" dirty="0"/>
-              <a:t> specific babel plugins bundled into a preset that converts JSX syntax into old JavaScript that browsers can </a:t>
-            </a:r>
-            <a:r>
-              <a:rPr lang="en-US" dirty="0" smtClean="0"/>
-              <a:t>understand</a:t>
-            </a:r>
-            <a:endParaRPr lang="en-US" dirty="0"/>
+              <a:t>react specific babel plugins bundled into a preset that converts JSX syntax into old JavaScript that browsers can understand</a:t>
+            </a:r>
           </a:p>
         </p:txBody>
       </p:sp>
@@ -14374,11 +14320,11 @@
           <a:lstStyle/>
           <a:p>
             <a:r>
-              <a:rPr lang="en-US" dirty="0" smtClean="0"/>
+              <a:rPr lang="en-US" dirty="0"/>
               <a:t>Packages Required: </a:t>
             </a:r>
             <a:r>
-              <a:rPr lang="en-US" dirty="0" err="1" smtClean="0"/>
+              <a:rPr lang="en-US" dirty="0" err="1"/>
               <a:t>Webpack</a:t>
             </a:r>
             <a:endParaRPr lang="en-US" dirty="0"/>
@@ -14509,10 +14455,9 @@
           <a:lstStyle/>
           <a:p>
             <a:r>
-              <a:rPr lang="en-US" dirty="0" smtClean="0"/>
+              <a:rPr lang="en-US" dirty="0"/>
               <a:t>Packages Required: Style</a:t>
             </a:r>
-            <a:endParaRPr lang="en-US" dirty="0"/>
           </a:p>
         </p:txBody>
       </p:sp>
@@ -14539,17 +14484,12 @@
               <a:rPr lang="en-US" b="1" dirty="0"/>
               <a:t>-loader: </a:t>
             </a:r>
-            <a:endParaRPr lang="en-US" b="1" dirty="0" smtClean="0"/>
           </a:p>
           <a:p>
             <a:pPr lvl="1"/>
             <a:r>
-              <a:rPr lang="en-US" dirty="0" smtClean="0"/>
-              <a:t>It </a:t>
-            </a:r>
-            <a:r>
               <a:rPr lang="en-US" dirty="0"/>
-              <a:t>is the </a:t>
+              <a:t>It is the </a:t>
             </a:r>
             <a:r>
               <a:rPr lang="en-US" dirty="0" err="1"/>
@@ -14581,17 +14521,12 @@
               <a:rPr lang="en-US" b="1" dirty="0"/>
               <a:t>style-loader: </a:t>
             </a:r>
-            <a:endParaRPr lang="en-US" b="1" dirty="0" smtClean="0"/>
           </a:p>
           <a:p>
             <a:pPr lvl="1"/>
             <a:r>
-              <a:rPr lang="en-US" dirty="0" smtClean="0"/>
-              <a:t>then </a:t>
-            </a:r>
-            <a:r>
               <a:rPr lang="en-US" dirty="0"/>
-              <a:t>style-loader would take the output string generated by the above </a:t>
+              <a:t>then style-loader would take the output string generated by the above </a:t>
             </a:r>
             <a:r>
               <a:rPr lang="en-US" dirty="0" err="1"/>
@@ -14607,13 +14542,8 @@
             </a:r>
             <a:r>
               <a:rPr lang="en-US" dirty="0"/>
-              <a:t>-loader requires style-loader in order to </a:t>
-            </a:r>
-            <a:r>
-              <a:rPr lang="en-US" dirty="0" smtClean="0"/>
-              <a:t>work</a:t>
-            </a:r>
-            <a:endParaRPr lang="en-US" dirty="0"/>
+              <a:t>-loader requires style-loader in order to work</a:t>
+            </a:r>
           </a:p>
         </p:txBody>
       </p:sp>
